--- a/문서/club_OT.pptx
+++ b/문서/club_OT.pptx
@@ -4683,7 +4683,7 @@
         </p:nvCxnSpPr>
         <p:spPr>
           <a:xfrm>
-            <a:off x="356070" y="2573436"/>
+            <a:off x="356070" y="2243920"/>
             <a:ext cx="560439" cy="0"/>
           </a:xfrm>
           <a:prstGeom prst="line">
@@ -4883,7 +4883,7 @@
                 <a:ea typeface="휴먼모음T" panose="02030504000101010101" pitchFamily="18" charset="-127"/>
                 <a:cs typeface="+mn-cs"/>
               </a:rPr>
-              <a:t>02.</a:t>
+              <a:t>03.</a:t>
             </a:r>
             <a:endParaRPr kumimoji="0" lang="en-US" altLang="ko-KR" sz="2400" b="0" i="0" u="none" strike="noStrike" kern="1200" cap="none" spc="0" normalizeH="0" baseline="0" noProof="0" dirty="0">
               <a:ln>
@@ -4926,7 +4926,7 @@
               <a:defRPr/>
             </a:pPr>
             <a:r>
-              <a:rPr kumimoji="0" lang="en-US" altLang="ko-KR" sz="2400" b="0" i="0" u="none" strike="noStrike" kern="1200" cap="none" spc="0" normalizeH="0" baseline="0" noProof="0" dirty="0" smtClean="0">
+              <a:rPr lang="en-US" altLang="ko-KR" sz="2400" noProof="0" dirty="0" smtClean="0">
                 <a:ln>
                   <a:solidFill>
                     <a:srgbClr val="5B9BD5">
@@ -4940,58 +4940,32 @@
                     <a:lumOff val="15000"/>
                   </a:prstClr>
                 </a:solidFill>
-                <a:effectLst/>
-                <a:uLnTx/>
-                <a:uFillTx/>
                 <a:latin typeface="휴먼모음T" panose="02030504000101010101" pitchFamily="18" charset="-127"/>
                 <a:ea typeface="휴먼모음T" panose="02030504000101010101" pitchFamily="18" charset="-127"/>
-                <a:cs typeface="+mn-cs"/>
               </a:rPr>
-              <a:t>System</a:t>
-            </a:r>
-          </a:p>
-          <a:p>
-            <a:pPr marL="0" marR="0" lvl="0" indent="0" algn="l" defTabSz="914400" rtl="0" eaLnBrk="1" fontAlgn="auto" latinLnBrk="1" hangingPunct="1">
-              <a:lnSpc>
-                <a:spcPct val="100000"/>
-              </a:lnSpc>
-              <a:spcBef>
-                <a:spcPts val="1000"/>
-              </a:spcBef>
-              <a:spcAft>
-                <a:spcPts val="0"/>
-              </a:spcAft>
-              <a:buClrTx/>
-              <a:buSzTx/>
-              <a:buFont typeface="Arial" panose="020B0604020202020204" pitchFamily="34" charset="0"/>
-              <a:buNone/>
-              <a:tabLst/>
-              <a:defRPr/>
-            </a:pPr>
-            <a:r>
-              <a:rPr kumimoji="0" lang="en-US" altLang="ko-KR" sz="2400" b="0" i="0" u="none" strike="noStrike" kern="1200" cap="none" spc="0" normalizeH="0" baseline="0" noProof="0" dirty="0" smtClean="0">
-                <a:ln>
-                  <a:solidFill>
-                    <a:srgbClr val="5B9BD5">
-                      <a:alpha val="0"/>
-                    </a:srgbClr>
-                  </a:solidFill>
-                </a:ln>
+              <a:t>Reversing</a:t>
+            </a:r>
+            <a:endParaRPr kumimoji="0" lang="en-US" altLang="ko-KR" sz="2400" b="0" i="0" u="none" strike="noStrike" kern="1200" cap="none" spc="0" normalizeH="0" baseline="0" noProof="0" dirty="0" smtClean="0">
+              <a:ln>
                 <a:solidFill>
-                  <a:prstClr val="black">
-                    <a:lumMod val="85000"/>
-                    <a:lumOff val="15000"/>
-                  </a:prstClr>
+                  <a:srgbClr val="5B9BD5">
+                    <a:alpha val="0"/>
+                  </a:srgbClr>
                 </a:solidFill>
-                <a:effectLst/>
-                <a:uLnTx/>
-                <a:uFillTx/>
-                <a:latin typeface="휴먼모음T" panose="02030504000101010101" pitchFamily="18" charset="-127"/>
-                <a:ea typeface="휴먼모음T" panose="02030504000101010101" pitchFamily="18" charset="-127"/>
-                <a:cs typeface="+mn-cs"/>
-              </a:rPr>
-              <a:t>hacking</a:t>
-            </a:r>
+              </a:ln>
+              <a:solidFill>
+                <a:prstClr val="black">
+                  <a:lumMod val="85000"/>
+                  <a:lumOff val="15000"/>
+                </a:prstClr>
+              </a:solidFill>
+              <a:effectLst/>
+              <a:uLnTx/>
+              <a:uFillTx/>
+              <a:latin typeface="휴먼모음T" panose="02030504000101010101" pitchFamily="18" charset="-127"/>
+              <a:ea typeface="휴먼모음T" panose="02030504000101010101" pitchFamily="18" charset="-127"/>
+              <a:cs typeface="+mn-cs"/>
+            </a:endParaRPr>
           </a:p>
         </p:txBody>
       </p:sp>
@@ -6134,7 +6108,7 @@
                 <a:latin typeface="휴먼모음T" panose="02030504000101010101" pitchFamily="18" charset="-127"/>
                 <a:ea typeface="휴먼모음T" panose="02030504000101010101" pitchFamily="18" charset="-127"/>
               </a:rPr>
-              <a:t>03.</a:t>
+              <a:t>04.</a:t>
             </a:r>
             <a:endParaRPr lang="en-US" altLang="ko-KR" sz="2400" dirty="0">
               <a:solidFill>
